--- a/JS/002_lesson/Presentation/Closures+Scope.pptx
+++ b/JS/002_lesson/Presentation/Closures+Scope.pptx
@@ -117,7 +117,7 @@
   </p:defaultTextStyle>
   <p:extLst>
     <p:ext uri="{EFAFB233-063F-42B5-8137-9DF3F51BA10A}">
-      <p15:sldGuideLst xmlns:p15="http://schemas.microsoft.com/office/powerpoint/2012/main">
+      <p15:sldGuideLst xmlns:p15="http://schemas.microsoft.com/office/powerpoint/2012/main" xmlns="">
         <p15:guide id="1" orient="horz" pos="1620">
           <p15:clr>
             <a:srgbClr val="A4A3A4"/>
@@ -141,7 +141,7 @@
       </p15:sldGuideLst>
     </p:ext>
     <p:ext uri="{2D200454-40CA-4A62-9FC3-DE9A4176ACB9}">
-      <p15:notesGuideLst xmlns:p15="http://schemas.microsoft.com/office/powerpoint/2012/main">
+      <p15:notesGuideLst xmlns:p15="http://schemas.microsoft.com/office/powerpoint/2012/main" xmlns="">
         <p15:guide id="1" orient="horz" pos="2880">
           <p15:clr>
             <a:srgbClr val="A4A3A4"/>
@@ -241,7 +241,7 @@
             <a:fld id="{C1951A84-8083-4F68-A786-57C80B44AB3C}" type="datetimeFigureOut">
               <a:rPr lang="en-US" smtClean="0"/>
               <a:pPr/>
-              <a:t>6/14/2016</a:t>
+              <a:t>10/14/2016</a:t>
             </a:fld>
             <a:endParaRPr lang="en-US"/>
           </a:p>
@@ -317,7 +317,7 @@
     </p:spTree>
     <p:extLst>
       <p:ext uri="{BB962C8B-B14F-4D97-AF65-F5344CB8AC3E}">
-        <p14:creationId xmlns:p14="http://schemas.microsoft.com/office/powerpoint/2010/main" val="171833131"/>
+        <p14:creationId xmlns:p14="http://schemas.microsoft.com/office/powerpoint/2010/main" xmlns="" val="171833131"/>
       </p:ext>
     </p:extLst>
   </p:cSld>
@@ -408,7 +408,7 @@
             <a:fld id="{F938EB94-4B54-4539-BEE7-C3885B42E71C}" type="datetimeFigureOut">
               <a:rPr lang="en-US" smtClean="0"/>
               <a:pPr/>
-              <a:t>6/14/2016</a:t>
+              <a:t>10/14/2016</a:t>
             </a:fld>
             <a:endParaRPr lang="en-US"/>
           </a:p>
@@ -576,7 +576,7 @@
     </p:spTree>
     <p:extLst>
       <p:ext uri="{BB962C8B-B14F-4D97-AF65-F5344CB8AC3E}">
-        <p14:creationId xmlns:p14="http://schemas.microsoft.com/office/powerpoint/2010/main" val="4273275644"/>
+        <p14:creationId xmlns:p14="http://schemas.microsoft.com/office/powerpoint/2010/main" xmlns="" val="4273275644"/>
       </p:ext>
     </p:extLst>
   </p:cSld>
@@ -1181,7 +1181,7 @@
     </p:spTree>
     <p:extLst>
       <p:ext uri="{BB962C8B-B14F-4D97-AF65-F5344CB8AC3E}">
-        <p14:creationId xmlns:p14="http://schemas.microsoft.com/office/powerpoint/2010/main" val="3537187278"/>
+        <p14:creationId xmlns:p14="http://schemas.microsoft.com/office/powerpoint/2010/main" xmlns="" val="3537187278"/>
       </p:ext>
     </p:extLst>
   </p:cSld>
@@ -1220,7 +1220,7 @@
           <a:blip r:embed="rId2" cstate="print">
             <a:extLst>
               <a:ext uri="{28A0092B-C50C-407E-A947-70E740481C1C}">
-                <a14:useLocalDpi xmlns:a14="http://schemas.microsoft.com/office/drawing/2010/main" val="0"/>
+                <a14:useLocalDpi xmlns:a14="http://schemas.microsoft.com/office/drawing/2010/main" xmlns="" val="0"/>
               </a:ext>
             </a:extLst>
           </a:blip>
@@ -1244,14 +1244,14 @@
           <a:effectLst/>
           <a:extLst>
             <a:ext uri="{909E8E84-426E-40DD-AFC4-6F175D3DCCD1}">
-              <a14:hiddenFill xmlns:a14="http://schemas.microsoft.com/office/drawing/2010/main">
+              <a14:hiddenFill xmlns:a14="http://schemas.microsoft.com/office/drawing/2010/main" xmlns="">
                 <a:solidFill>
                   <a:schemeClr val="accent1"/>
                 </a:solidFill>
               </a14:hiddenFill>
             </a:ext>
             <a:ext uri="{91240B29-F687-4F45-9708-019B960494DF}">
-              <a14:hiddenLine xmlns:a14="http://schemas.microsoft.com/office/drawing/2010/main" w="9525">
+              <a14:hiddenLine xmlns:a14="http://schemas.microsoft.com/office/drawing/2010/main" xmlns="" w="9525">
                 <a:solidFill>
                   <a:schemeClr val="tx1"/>
                 </a:solidFill>
@@ -1261,7 +1261,7 @@
               </a14:hiddenLine>
             </a:ext>
             <a:ext uri="{AF507438-7753-43E0-B8FC-AC1667EBCBE1}">
-              <a14:hiddenEffects xmlns:a14="http://schemas.microsoft.com/office/drawing/2010/main">
+              <a14:hiddenEffects xmlns:a14="http://schemas.microsoft.com/office/drawing/2010/main" xmlns="">
                 <a:effectLst>
                   <a:outerShdw dist="35921" dir="2700000" algn="ctr" rotWithShape="0">
                     <a:schemeClr val="bg2"/>
@@ -1401,7 +1401,7 @@
     </p:spTree>
     <p:extLst>
       <p:ext uri="{BB962C8B-B14F-4D97-AF65-F5344CB8AC3E}">
-        <p14:creationId xmlns:p14="http://schemas.microsoft.com/office/powerpoint/2010/main" val="2097366919"/>
+        <p14:creationId xmlns:p14="http://schemas.microsoft.com/office/powerpoint/2010/main" xmlns="" val="2097366919"/>
       </p:ext>
     </p:extLst>
   </p:cSld>
@@ -1468,7 +1468,7 @@
     </p:spTree>
     <p:extLst>
       <p:ext uri="{BB962C8B-B14F-4D97-AF65-F5344CB8AC3E}">
-        <p14:creationId xmlns:p14="http://schemas.microsoft.com/office/powerpoint/2010/main" val="779007194"/>
+        <p14:creationId xmlns:p14="http://schemas.microsoft.com/office/powerpoint/2010/main" xmlns="" val="779007194"/>
       </p:ext>
     </p:extLst>
   </p:cSld>
@@ -2043,7 +2043,7 @@
           <a:blip r:embed="rId2" cstate="print">
             <a:extLst>
               <a:ext uri="{28A0092B-C50C-407E-A947-70E740481C1C}">
-                <a14:useLocalDpi xmlns:a14="http://schemas.microsoft.com/office/drawing/2010/main" val="0"/>
+                <a14:useLocalDpi xmlns:a14="http://schemas.microsoft.com/office/drawing/2010/main" xmlns="" val="0"/>
               </a:ext>
             </a:extLst>
           </a:blip>
@@ -2063,7 +2063,7 @@
           <a:noFill/>
           <a:extLst>
             <a:ext uri="{909E8E84-426E-40DD-AFC4-6F175D3DCCD1}">
-              <a14:hiddenFill xmlns:a14="http://schemas.microsoft.com/office/drawing/2010/main">
+              <a14:hiddenFill xmlns:a14="http://schemas.microsoft.com/office/drawing/2010/main" xmlns="">
                 <a:solidFill>
                   <a:srgbClr val="FFFFFF"/>
                 </a:solidFill>
@@ -2109,7 +2109,7 @@
     </p:spTree>
     <p:extLst>
       <p:ext uri="{BB962C8B-B14F-4D97-AF65-F5344CB8AC3E}">
-        <p14:creationId xmlns:p14="http://schemas.microsoft.com/office/powerpoint/2010/main" val="3436223543"/>
+        <p14:creationId xmlns:p14="http://schemas.microsoft.com/office/powerpoint/2010/main" xmlns="" val="3436223543"/>
       </p:ext>
     </p:extLst>
   </p:cSld>
@@ -2326,7 +2326,7 @@
     </p:spTree>
     <p:extLst>
       <p:ext uri="{BB962C8B-B14F-4D97-AF65-F5344CB8AC3E}">
-        <p14:creationId xmlns:p14="http://schemas.microsoft.com/office/powerpoint/2010/main" val="9290874"/>
+        <p14:creationId xmlns:p14="http://schemas.microsoft.com/office/powerpoint/2010/main" xmlns="" val="9290874"/>
       </p:ext>
     </p:extLst>
   </p:cSld>
@@ -2447,7 +2447,7 @@
     </p:spTree>
     <p:extLst>
       <p:ext uri="{BB962C8B-B14F-4D97-AF65-F5344CB8AC3E}">
-        <p14:creationId xmlns:p14="http://schemas.microsoft.com/office/powerpoint/2010/main" val="4126915530"/>
+        <p14:creationId xmlns:p14="http://schemas.microsoft.com/office/powerpoint/2010/main" xmlns="" val="4126915530"/>
       </p:ext>
     </p:extLst>
   </p:cSld>
@@ -2699,7 +2699,7 @@
     </p:spTree>
     <p:extLst>
       <p:ext uri="{BB962C8B-B14F-4D97-AF65-F5344CB8AC3E}">
-        <p14:creationId xmlns:p14="http://schemas.microsoft.com/office/powerpoint/2010/main" val="2015409003"/>
+        <p14:creationId xmlns:p14="http://schemas.microsoft.com/office/powerpoint/2010/main" xmlns="" val="2015409003"/>
       </p:ext>
     </p:extLst>
   </p:cSld>
@@ -2832,7 +2832,7 @@
     </p:spTree>
     <p:extLst>
       <p:ext uri="{BB962C8B-B14F-4D97-AF65-F5344CB8AC3E}">
-        <p14:creationId xmlns:p14="http://schemas.microsoft.com/office/powerpoint/2010/main" val="384071384"/>
+        <p14:creationId xmlns:p14="http://schemas.microsoft.com/office/powerpoint/2010/main" xmlns="" val="384071384"/>
       </p:ext>
     </p:extLst>
   </p:cSld>
@@ -2899,8 +2899,8 @@
         </p:blipFill>
         <p:spPr bwMode="auto">
           <a:xfrm>
-            <a:off x="182880" y="2023110"/>
-            <a:ext cx="3566160" cy="2011680"/>
+            <a:off x="548640" y="1840230"/>
+            <a:ext cx="3017520" cy="1828800"/>
           </a:xfrm>
           <a:prstGeom prst="rect">
             <a:avLst/>
